--- a/documents/projectmanagement/Praesentationen/Abschlusspräsentation_v2.pptx
+++ b/documents/projectmanagement/Praesentationen/Abschlusspräsentation_v2.pptx
@@ -123,7 +123,7 @@
   </p:defaultTextStyle>
   <p:extLst>
     <p:ext uri="{EFAFB233-063F-42B5-8137-9DF3F51BA10A}">
-      <p15:sldGuideLst xmlns:p15="http://schemas.microsoft.com/office/powerpoint/2012/main">
+      <p15:sldGuideLst xmlns:p15="http://schemas.microsoft.com/office/powerpoint/2012/main" xmlns="">
         <p15:guide id="1" orient="horz" pos="2160">
           <p15:clr>
             <a:srgbClr val="A4A3A4"/>
@@ -7672,6 +7672,13 @@
         </dgm:presLayoutVars>
       </dgm:prSet>
       <dgm:spPr/>
+      <dgm:t>
+        <a:bodyPr/>
+        <a:lstStyle/>
+        <a:p>
+          <a:endParaRPr lang="de-DE"/>
+        </a:p>
+      </dgm:t>
     </dgm:pt>
     <dgm:pt modelId="{E69F6897-FA44-4D33-95A1-02C61B3B37CC}" type="pres">
       <dgm:prSet presAssocID="{41296BC6-2EBB-497E-96C8-769DF938FF6B}" presName="composite" presStyleCnt="0"/>
@@ -7702,12 +7709,19 @@
         </dgm:presLayoutVars>
       </dgm:prSet>
       <dgm:spPr/>
+      <dgm:t>
+        <a:bodyPr/>
+        <a:lstStyle/>
+        <a:p>
+          <a:endParaRPr lang="de-DE"/>
+        </a:p>
+      </dgm:t>
     </dgm:pt>
   </dgm:ptLst>
   <dgm:cxnLst>
-    <dgm:cxn modelId="{EAEDF5B3-4EF7-46A0-ADF0-3537BE15DFBC}" srcId="{A6BCF858-B39E-431F-B7F0-ACD16EC99C7D}" destId="{41296BC6-2EBB-497E-96C8-769DF938FF6B}" srcOrd="0" destOrd="0" parTransId="{25CC92E5-0D37-4535-8107-7128E5FC90BE}" sibTransId="{73489C6D-C5FA-4460-9736-20B51B764A5C}"/>
     <dgm:cxn modelId="{0DA41652-2630-445A-809C-29D6768C94C3}" type="presOf" srcId="{A6BCF858-B39E-431F-B7F0-ACD16EC99C7D}" destId="{0722CB87-4DFF-42DA-B3BE-0426D10BD9A6}" srcOrd="0" destOrd="0" presId="urn:microsoft.com/office/officeart/2005/8/layout/vList3"/>
     <dgm:cxn modelId="{AECBE4D5-B68A-494C-8DC7-A6C50F43FDE3}" type="presOf" srcId="{41296BC6-2EBB-497E-96C8-769DF938FF6B}" destId="{D18AE4DD-AA00-4EEF-A915-EA78C3CDDBA5}" srcOrd="0" destOrd="0" presId="urn:microsoft.com/office/officeart/2005/8/layout/vList3"/>
+    <dgm:cxn modelId="{EAEDF5B3-4EF7-46A0-ADF0-3537BE15DFBC}" srcId="{A6BCF858-B39E-431F-B7F0-ACD16EC99C7D}" destId="{41296BC6-2EBB-497E-96C8-769DF938FF6B}" srcOrd="0" destOrd="0" parTransId="{25CC92E5-0D37-4535-8107-7128E5FC90BE}" sibTransId="{73489C6D-C5FA-4460-9736-20B51B764A5C}"/>
     <dgm:cxn modelId="{B3455417-F56B-4E81-9480-39D02ED8C06F}" type="presParOf" srcId="{0722CB87-4DFF-42DA-B3BE-0426D10BD9A6}" destId="{E69F6897-FA44-4D33-95A1-02C61B3B37CC}" srcOrd="0" destOrd="0" presId="urn:microsoft.com/office/officeart/2005/8/layout/vList3"/>
     <dgm:cxn modelId="{9BF55A74-28F7-4720-9A67-585CA115DE1B}" type="presParOf" srcId="{E69F6897-FA44-4D33-95A1-02C61B3B37CC}" destId="{B6D2BD4A-D59B-4853-8516-85AF3B582B05}" srcOrd="0" destOrd="0" presId="urn:microsoft.com/office/officeart/2005/8/layout/vList3"/>
     <dgm:cxn modelId="{7444058B-1BF8-43BD-B21B-1DB251C08FA6}" type="presParOf" srcId="{E69F6897-FA44-4D33-95A1-02C61B3B37CC}" destId="{D18AE4DD-AA00-4EEF-A915-EA78C3CDDBA5}" srcOrd="1" destOrd="0" presId="urn:microsoft.com/office/officeart/2005/8/layout/vList3"/>
@@ -7976,6 +7990,13 @@
         </dgm:presLayoutVars>
       </dgm:prSet>
       <dgm:spPr/>
+      <dgm:t>
+        <a:bodyPr/>
+        <a:lstStyle/>
+        <a:p>
+          <a:endParaRPr lang="de-DE"/>
+        </a:p>
+      </dgm:t>
     </dgm:pt>
     <dgm:pt modelId="{DA099EED-4F5D-4058-929B-91D547FCECAF}" type="pres">
       <dgm:prSet presAssocID="{815A21B8-640D-4A0A-BC78-F13870CC4C58}" presName="circleA" presStyleLbl="node1" presStyleIdx="0" presStyleCnt="3"/>
@@ -8000,6 +8021,13 @@
         </dgm:presLayoutVars>
       </dgm:prSet>
       <dgm:spPr/>
+      <dgm:t>
+        <a:bodyPr/>
+        <a:lstStyle/>
+        <a:p>
+          <a:endParaRPr lang="de-DE"/>
+        </a:p>
+      </dgm:t>
     </dgm:pt>
     <dgm:pt modelId="{77162A5F-071C-48C6-B77C-972F8D3E479B}" type="pres">
       <dgm:prSet presAssocID="{D7BC0203-36C7-4DE6-8BF5-40F3B353FD4A}" presName="circleB" presStyleLbl="node1" presStyleIdx="1" presStyleCnt="3"/>
@@ -8024,6 +8052,13 @@
         </dgm:presLayoutVars>
       </dgm:prSet>
       <dgm:spPr/>
+      <dgm:t>
+        <a:bodyPr/>
+        <a:lstStyle/>
+        <a:p>
+          <a:endParaRPr lang="de-DE"/>
+        </a:p>
+      </dgm:t>
     </dgm:pt>
     <dgm:pt modelId="{24D016FC-27A0-40B2-81C4-613E6EA1A617}" type="pres">
       <dgm:prSet presAssocID="{D7DC21AD-EF37-4265-A5AF-B48B72C7E8DA}" presName="circleA" presStyleLbl="node1" presStyleIdx="2" presStyleCnt="3"/>
@@ -8137,6 +8172,13 @@
         </dgm:presLayoutVars>
       </dgm:prSet>
       <dgm:spPr/>
+      <dgm:t>
+        <a:bodyPr/>
+        <a:lstStyle/>
+        <a:p>
+          <a:endParaRPr lang="de-DE"/>
+        </a:p>
+      </dgm:t>
     </dgm:pt>
     <dgm:pt modelId="{E69F6897-FA44-4D33-95A1-02C61B3B37CC}" type="pres">
       <dgm:prSet presAssocID="{41296BC6-2EBB-497E-96C8-769DF938FF6B}" presName="composite" presStyleCnt="0"/>
@@ -8167,6 +8209,13 @@
         </dgm:presLayoutVars>
       </dgm:prSet>
       <dgm:spPr/>
+      <dgm:t>
+        <a:bodyPr/>
+        <a:lstStyle/>
+        <a:p>
+          <a:endParaRPr lang="de-DE"/>
+        </a:p>
+      </dgm:t>
     </dgm:pt>
   </dgm:ptLst>
   <dgm:cxnLst>
@@ -8251,6 +8300,13 @@
         </dgm:presLayoutVars>
       </dgm:prSet>
       <dgm:spPr/>
+      <dgm:t>
+        <a:bodyPr/>
+        <a:lstStyle/>
+        <a:p>
+          <a:endParaRPr lang="de-DE"/>
+        </a:p>
+      </dgm:t>
     </dgm:pt>
     <dgm:pt modelId="{E69F6897-FA44-4D33-95A1-02C61B3B37CC}" type="pres">
       <dgm:prSet presAssocID="{41296BC6-2EBB-497E-96C8-769DF938FF6B}" presName="composite" presStyleCnt="0"/>
@@ -8281,6 +8337,13 @@
         </dgm:presLayoutVars>
       </dgm:prSet>
       <dgm:spPr/>
+      <dgm:t>
+        <a:bodyPr/>
+        <a:lstStyle/>
+        <a:p>
+          <a:endParaRPr lang="de-DE"/>
+        </a:p>
+      </dgm:t>
     </dgm:pt>
   </dgm:ptLst>
   <dgm:cxnLst>
@@ -8365,6 +8428,13 @@
         </dgm:presLayoutVars>
       </dgm:prSet>
       <dgm:spPr/>
+      <dgm:t>
+        <a:bodyPr/>
+        <a:lstStyle/>
+        <a:p>
+          <a:endParaRPr lang="de-DE"/>
+        </a:p>
+      </dgm:t>
     </dgm:pt>
     <dgm:pt modelId="{E69F6897-FA44-4D33-95A1-02C61B3B37CC}" type="pres">
       <dgm:prSet presAssocID="{41296BC6-2EBB-497E-96C8-769DF938FF6B}" presName="composite" presStyleCnt="0"/>
@@ -8395,6 +8465,13 @@
         </dgm:presLayoutVars>
       </dgm:prSet>
       <dgm:spPr/>
+      <dgm:t>
+        <a:bodyPr/>
+        <a:lstStyle/>
+        <a:p>
+          <a:endParaRPr lang="de-DE"/>
+        </a:p>
+      </dgm:t>
     </dgm:pt>
   </dgm:ptLst>
   <dgm:cxnLst>
@@ -8479,6 +8556,13 @@
         </dgm:presLayoutVars>
       </dgm:prSet>
       <dgm:spPr/>
+      <dgm:t>
+        <a:bodyPr/>
+        <a:lstStyle/>
+        <a:p>
+          <a:endParaRPr lang="de-DE"/>
+        </a:p>
+      </dgm:t>
     </dgm:pt>
     <dgm:pt modelId="{E69F6897-FA44-4D33-95A1-02C61B3B37CC}" type="pres">
       <dgm:prSet presAssocID="{41296BC6-2EBB-497E-96C8-769DF938FF6B}" presName="composite" presStyleCnt="0"/>
@@ -8509,12 +8593,19 @@
         </dgm:presLayoutVars>
       </dgm:prSet>
       <dgm:spPr/>
+      <dgm:t>
+        <a:bodyPr/>
+        <a:lstStyle/>
+        <a:p>
+          <a:endParaRPr lang="de-DE"/>
+        </a:p>
+      </dgm:t>
     </dgm:pt>
   </dgm:ptLst>
   <dgm:cxnLst>
-    <dgm:cxn modelId="{EAEDF5B3-4EF7-46A0-ADF0-3537BE15DFBC}" srcId="{A6BCF858-B39E-431F-B7F0-ACD16EC99C7D}" destId="{41296BC6-2EBB-497E-96C8-769DF938FF6B}" srcOrd="0" destOrd="0" parTransId="{25CC92E5-0D37-4535-8107-7128E5FC90BE}" sibTransId="{73489C6D-C5FA-4460-9736-20B51B764A5C}"/>
     <dgm:cxn modelId="{0DA41652-2630-445A-809C-29D6768C94C3}" type="presOf" srcId="{A6BCF858-B39E-431F-B7F0-ACD16EC99C7D}" destId="{0722CB87-4DFF-42DA-B3BE-0426D10BD9A6}" srcOrd="0" destOrd="0" presId="urn:microsoft.com/office/officeart/2005/8/layout/vList3"/>
     <dgm:cxn modelId="{AECBE4D5-B68A-494C-8DC7-A6C50F43FDE3}" type="presOf" srcId="{41296BC6-2EBB-497E-96C8-769DF938FF6B}" destId="{D18AE4DD-AA00-4EEF-A915-EA78C3CDDBA5}" srcOrd="0" destOrd="0" presId="urn:microsoft.com/office/officeart/2005/8/layout/vList3"/>
+    <dgm:cxn modelId="{EAEDF5B3-4EF7-46A0-ADF0-3537BE15DFBC}" srcId="{A6BCF858-B39E-431F-B7F0-ACD16EC99C7D}" destId="{41296BC6-2EBB-497E-96C8-769DF938FF6B}" srcOrd="0" destOrd="0" parTransId="{25CC92E5-0D37-4535-8107-7128E5FC90BE}" sibTransId="{73489C6D-C5FA-4460-9736-20B51B764A5C}"/>
     <dgm:cxn modelId="{B3455417-F56B-4E81-9480-39D02ED8C06F}" type="presParOf" srcId="{0722CB87-4DFF-42DA-B3BE-0426D10BD9A6}" destId="{E69F6897-FA44-4D33-95A1-02C61B3B37CC}" srcOrd="0" destOrd="0" presId="urn:microsoft.com/office/officeart/2005/8/layout/vList3"/>
     <dgm:cxn modelId="{9BF55A74-28F7-4720-9A67-585CA115DE1B}" type="presParOf" srcId="{E69F6897-FA44-4D33-95A1-02C61B3B37CC}" destId="{B6D2BD4A-D59B-4853-8516-85AF3B582B05}" srcOrd="0" destOrd="0" presId="urn:microsoft.com/office/officeart/2005/8/layout/vList3"/>
     <dgm:cxn modelId="{7444058B-1BF8-43BD-B21B-1DB251C08FA6}" type="presParOf" srcId="{E69F6897-FA44-4D33-95A1-02C61B3B37CC}" destId="{D18AE4DD-AA00-4EEF-A915-EA78C3CDDBA5}" srcOrd="1" destOrd="0" presId="urn:microsoft.com/office/officeart/2005/8/layout/vList3"/>
@@ -8557,9 +8648,10 @@
         <a:lstStyle/>
         <a:p>
           <a:r>
-            <a:rPr lang="de-DE" sz="3300" dirty="0"/>
-            <a:t>Kennzahlen</a:t>
+            <a:rPr lang="de-DE" sz="3300" dirty="0" smtClean="0"/>
+            <a:t>Angepasst</a:t>
           </a:r>
+          <a:endParaRPr lang="de-DE" sz="3300" dirty="0"/>
         </a:p>
       </dgm:t>
     </dgm:pt>
@@ -8593,6 +8685,13 @@
         </dgm:presLayoutVars>
       </dgm:prSet>
       <dgm:spPr/>
+      <dgm:t>
+        <a:bodyPr/>
+        <a:lstStyle/>
+        <a:p>
+          <a:endParaRPr lang="de-DE"/>
+        </a:p>
+      </dgm:t>
     </dgm:pt>
     <dgm:pt modelId="{E69F6897-FA44-4D33-95A1-02C61B3B37CC}" type="pres">
       <dgm:prSet presAssocID="{41296BC6-2EBB-497E-96C8-769DF938FF6B}" presName="composite" presStyleCnt="0"/>
@@ -8623,6 +8722,13 @@
         </dgm:presLayoutVars>
       </dgm:prSet>
       <dgm:spPr/>
+      <dgm:t>
+        <a:bodyPr/>
+        <a:lstStyle/>
+        <a:p>
+          <a:endParaRPr lang="de-DE"/>
+        </a:p>
+      </dgm:t>
     </dgm:pt>
   </dgm:ptLst>
   <dgm:cxnLst>
@@ -8791,6 +8897,13 @@
         </dgm:presLayoutVars>
       </dgm:prSet>
       <dgm:spPr/>
+      <dgm:t>
+        <a:bodyPr/>
+        <a:lstStyle/>
+        <a:p>
+          <a:endParaRPr lang="de-DE"/>
+        </a:p>
+      </dgm:t>
     </dgm:pt>
     <dgm:pt modelId="{E69F6897-FA44-4D33-95A1-02C61B3B37CC}" type="pres">
       <dgm:prSet presAssocID="{41296BC6-2EBB-497E-96C8-769DF938FF6B}" presName="composite" presStyleCnt="0"/>
@@ -8821,6 +8934,13 @@
         </dgm:presLayoutVars>
       </dgm:prSet>
       <dgm:spPr/>
+      <dgm:t>
+        <a:bodyPr/>
+        <a:lstStyle/>
+        <a:p>
+          <a:endParaRPr lang="de-DE"/>
+        </a:p>
+      </dgm:t>
     </dgm:pt>
     <dgm:pt modelId="{E25B1FA2-E17C-42C5-8FAF-3BC9E8DAEA7A}" type="pres">
       <dgm:prSet presAssocID="{73489C6D-C5FA-4460-9736-20B51B764A5C}" presName="spacing" presStyleCnt="0"/>
@@ -8855,6 +8975,13 @@
         </dgm:presLayoutVars>
       </dgm:prSet>
       <dgm:spPr/>
+      <dgm:t>
+        <a:bodyPr/>
+        <a:lstStyle/>
+        <a:p>
+          <a:endParaRPr lang="de-DE"/>
+        </a:p>
+      </dgm:t>
     </dgm:pt>
     <dgm:pt modelId="{E30D30DE-40BD-4C10-983A-674632778F02}" type="pres">
       <dgm:prSet presAssocID="{4D36172C-3601-4628-B433-8657B8238583}" presName="spacing" presStyleCnt="0"/>
@@ -8889,6 +9016,13 @@
         </dgm:presLayoutVars>
       </dgm:prSet>
       <dgm:spPr/>
+      <dgm:t>
+        <a:bodyPr/>
+        <a:lstStyle/>
+        <a:p>
+          <a:endParaRPr lang="de-DE"/>
+        </a:p>
+      </dgm:t>
     </dgm:pt>
   </dgm:ptLst>
   <dgm:cxnLst>
@@ -9023,6 +9157,13 @@
         </dgm:presLayoutVars>
       </dgm:prSet>
       <dgm:spPr/>
+      <dgm:t>
+        <a:bodyPr/>
+        <a:lstStyle/>
+        <a:p>
+          <a:endParaRPr lang="de-DE"/>
+        </a:p>
+      </dgm:t>
     </dgm:pt>
     <dgm:pt modelId="{E69F6897-FA44-4D33-95A1-02C61B3B37CC}" type="pres">
       <dgm:prSet presAssocID="{41296BC6-2EBB-497E-96C8-769DF938FF6B}" presName="composite" presStyleCnt="0"/>
@@ -9053,6 +9194,13 @@
         </dgm:presLayoutVars>
       </dgm:prSet>
       <dgm:spPr/>
+      <dgm:t>
+        <a:bodyPr/>
+        <a:lstStyle/>
+        <a:p>
+          <a:endParaRPr lang="de-DE"/>
+        </a:p>
+      </dgm:t>
     </dgm:pt>
     <dgm:pt modelId="{E25B1FA2-E17C-42C5-8FAF-3BC9E8DAEA7A}" type="pres">
       <dgm:prSet presAssocID="{73489C6D-C5FA-4460-9736-20B51B764A5C}" presName="spacing" presStyleCnt="0"/>
@@ -9087,6 +9235,13 @@
         </dgm:presLayoutVars>
       </dgm:prSet>
       <dgm:spPr/>
+      <dgm:t>
+        <a:bodyPr/>
+        <a:lstStyle/>
+        <a:p>
+          <a:endParaRPr lang="de-DE"/>
+        </a:p>
+      </dgm:t>
     </dgm:pt>
   </dgm:ptLst>
   <dgm:cxnLst>
@@ -9355,6 +9510,13 @@
     <dgm:pt modelId="{0DEF2705-2132-4518-B146-F8EE3B04A480}" type="pres">
       <dgm:prSet presAssocID="{D284276E-0B24-4B41-A1DC-742B330585DF}" presName="bkgdShape" presStyleLbl="node1" presStyleIdx="0" presStyleCnt="5"/>
       <dgm:spPr/>
+      <dgm:t>
+        <a:bodyPr/>
+        <a:lstStyle/>
+        <a:p>
+          <a:endParaRPr lang="de-DE"/>
+        </a:p>
+      </dgm:t>
     </dgm:pt>
     <dgm:pt modelId="{2B067435-A646-4502-8080-8057C03B06D4}" type="pres">
       <dgm:prSet presAssocID="{D284276E-0B24-4B41-A1DC-742B330585DF}" presName="nodeTx" presStyleLbl="node1" presStyleIdx="0" presStyleCnt="5">
@@ -9363,6 +9525,13 @@
         </dgm:presLayoutVars>
       </dgm:prSet>
       <dgm:spPr/>
+      <dgm:t>
+        <a:bodyPr/>
+        <a:lstStyle/>
+        <a:p>
+          <a:endParaRPr lang="de-DE"/>
+        </a:p>
+      </dgm:t>
     </dgm:pt>
     <dgm:pt modelId="{D8C4D372-6991-47DD-B3D6-1321029A4997}" type="pres">
       <dgm:prSet presAssocID="{D284276E-0B24-4B41-A1DC-742B330585DF}" presName="invisiNode" presStyleLbl="node1" presStyleIdx="0" presStyleCnt="5"/>
@@ -9389,6 +9558,13 @@
     <dgm:pt modelId="{39AB0950-6831-4B26-B0A1-CE18D8FEA0A8}" type="pres">
       <dgm:prSet presAssocID="{B6CD0483-C4A2-41F4-8D5B-83C014C8DB89}" presName="sibTrans" presStyleLbl="sibTrans2D1" presStyleIdx="0" presStyleCnt="0"/>
       <dgm:spPr/>
+      <dgm:t>
+        <a:bodyPr/>
+        <a:lstStyle/>
+        <a:p>
+          <a:endParaRPr lang="de-DE"/>
+        </a:p>
+      </dgm:t>
     </dgm:pt>
     <dgm:pt modelId="{22642FD7-463F-49BE-9ED8-8AB66652CA11}" type="pres">
       <dgm:prSet presAssocID="{F9295A0E-A9F5-40D7-973C-7BEE1C22BF81}" presName="compNode" presStyleCnt="0"/>
@@ -9397,6 +9573,13 @@
     <dgm:pt modelId="{6FE94BFF-A6B8-4895-AD7F-E390B2692CD0}" type="pres">
       <dgm:prSet presAssocID="{F9295A0E-A9F5-40D7-973C-7BEE1C22BF81}" presName="bkgdShape" presStyleLbl="node1" presStyleIdx="1" presStyleCnt="5"/>
       <dgm:spPr/>
+      <dgm:t>
+        <a:bodyPr/>
+        <a:lstStyle/>
+        <a:p>
+          <a:endParaRPr lang="de-DE"/>
+        </a:p>
+      </dgm:t>
     </dgm:pt>
     <dgm:pt modelId="{C90EFC58-6A6B-4E3E-AE2E-BB0E05B45978}" type="pres">
       <dgm:prSet presAssocID="{F9295A0E-A9F5-40D7-973C-7BEE1C22BF81}" presName="nodeTx" presStyleLbl="node1" presStyleIdx="1" presStyleCnt="5">
@@ -9405,6 +9588,13 @@
         </dgm:presLayoutVars>
       </dgm:prSet>
       <dgm:spPr/>
+      <dgm:t>
+        <a:bodyPr/>
+        <a:lstStyle/>
+        <a:p>
+          <a:endParaRPr lang="de-DE"/>
+        </a:p>
+      </dgm:t>
     </dgm:pt>
     <dgm:pt modelId="{86144F4F-1458-456B-814C-0F2C4F831D80}" type="pres">
       <dgm:prSet presAssocID="{F9295A0E-A9F5-40D7-973C-7BEE1C22BF81}" presName="invisiNode" presStyleLbl="node1" presStyleIdx="1" presStyleCnt="5"/>
@@ -9431,6 +9621,13 @@
     <dgm:pt modelId="{7FA1F5FF-9D16-4966-B88A-1237E8A406F3}" type="pres">
       <dgm:prSet presAssocID="{0C83F384-CAEA-41D8-B597-F0BC9C17BEEC}" presName="sibTrans" presStyleLbl="sibTrans2D1" presStyleIdx="0" presStyleCnt="0"/>
       <dgm:spPr/>
+      <dgm:t>
+        <a:bodyPr/>
+        <a:lstStyle/>
+        <a:p>
+          <a:endParaRPr lang="de-DE"/>
+        </a:p>
+      </dgm:t>
     </dgm:pt>
     <dgm:pt modelId="{D9A6ACB2-F7E6-4999-96D7-035E4971A654}" type="pres">
       <dgm:prSet presAssocID="{EED5BED8-5768-416A-8914-19D13A565395}" presName="compNode" presStyleCnt="0"/>
@@ -9439,6 +9636,13 @@
     <dgm:pt modelId="{492193C1-F6A3-46C9-8AD0-3FC16D212958}" type="pres">
       <dgm:prSet presAssocID="{EED5BED8-5768-416A-8914-19D13A565395}" presName="bkgdShape" presStyleLbl="node1" presStyleIdx="2" presStyleCnt="5"/>
       <dgm:spPr/>
+      <dgm:t>
+        <a:bodyPr/>
+        <a:lstStyle/>
+        <a:p>
+          <a:endParaRPr lang="de-DE"/>
+        </a:p>
+      </dgm:t>
     </dgm:pt>
     <dgm:pt modelId="{12600276-960C-409C-9ED8-15D192C55F70}" type="pres">
       <dgm:prSet presAssocID="{EED5BED8-5768-416A-8914-19D13A565395}" presName="nodeTx" presStyleLbl="node1" presStyleIdx="2" presStyleCnt="5">
@@ -9447,6 +9651,13 @@
         </dgm:presLayoutVars>
       </dgm:prSet>
       <dgm:spPr/>
+      <dgm:t>
+        <a:bodyPr/>
+        <a:lstStyle/>
+        <a:p>
+          <a:endParaRPr lang="de-DE"/>
+        </a:p>
+      </dgm:t>
     </dgm:pt>
     <dgm:pt modelId="{122083A7-F62E-457B-B915-2199F9737903}" type="pres">
       <dgm:prSet presAssocID="{EED5BED8-5768-416A-8914-19D13A565395}" presName="invisiNode" presStyleLbl="node1" presStyleIdx="2" presStyleCnt="5"/>
@@ -9473,6 +9684,13 @@
     <dgm:pt modelId="{289B95B0-76B7-4694-B2C3-09CB600879E7}" type="pres">
       <dgm:prSet presAssocID="{CF800B3B-9BB8-4346-BBC4-261EFFC78F95}" presName="sibTrans" presStyleLbl="sibTrans2D1" presStyleIdx="0" presStyleCnt="0"/>
       <dgm:spPr/>
+      <dgm:t>
+        <a:bodyPr/>
+        <a:lstStyle/>
+        <a:p>
+          <a:endParaRPr lang="de-DE"/>
+        </a:p>
+      </dgm:t>
     </dgm:pt>
     <dgm:pt modelId="{644780DD-012C-4D72-BD0E-AAF7FD9B6C67}" type="pres">
       <dgm:prSet presAssocID="{212C4C3F-B2BC-46BD-B7E2-49BF2D3A9CD2}" presName="compNode" presStyleCnt="0"/>
@@ -9481,6 +9699,13 @@
     <dgm:pt modelId="{6C3E15DF-0AB3-4817-9D0B-10294FEB9639}" type="pres">
       <dgm:prSet presAssocID="{212C4C3F-B2BC-46BD-B7E2-49BF2D3A9CD2}" presName="bkgdShape" presStyleLbl="node1" presStyleIdx="3" presStyleCnt="5"/>
       <dgm:spPr/>
+      <dgm:t>
+        <a:bodyPr/>
+        <a:lstStyle/>
+        <a:p>
+          <a:endParaRPr lang="de-DE"/>
+        </a:p>
+      </dgm:t>
     </dgm:pt>
     <dgm:pt modelId="{681AE190-7CE1-437F-9FC3-D34407CAD7DE}" type="pres">
       <dgm:prSet presAssocID="{212C4C3F-B2BC-46BD-B7E2-49BF2D3A9CD2}" presName="nodeTx" presStyleLbl="node1" presStyleIdx="3" presStyleCnt="5">
@@ -9489,6 +9714,13 @@
         </dgm:presLayoutVars>
       </dgm:prSet>
       <dgm:spPr/>
+      <dgm:t>
+        <a:bodyPr/>
+        <a:lstStyle/>
+        <a:p>
+          <a:endParaRPr lang="de-DE"/>
+        </a:p>
+      </dgm:t>
     </dgm:pt>
     <dgm:pt modelId="{A2B5C136-D03B-4E9E-8E7E-2CAD7941BD8A}" type="pres">
       <dgm:prSet presAssocID="{212C4C3F-B2BC-46BD-B7E2-49BF2D3A9CD2}" presName="invisiNode" presStyleLbl="node1" presStyleIdx="3" presStyleCnt="5"/>
@@ -9515,6 +9747,13 @@
     <dgm:pt modelId="{E14E1273-1C4A-4A69-9E99-7A59F329F47C}" type="pres">
       <dgm:prSet presAssocID="{015805E6-8D1E-44B1-9EF3-42E285A8A86F}" presName="sibTrans" presStyleLbl="sibTrans2D1" presStyleIdx="0" presStyleCnt="0"/>
       <dgm:spPr/>
+      <dgm:t>
+        <a:bodyPr/>
+        <a:lstStyle/>
+        <a:p>
+          <a:endParaRPr lang="de-DE"/>
+        </a:p>
+      </dgm:t>
     </dgm:pt>
     <dgm:pt modelId="{EE389596-78F7-48D1-89CB-7F16954A729C}" type="pres">
       <dgm:prSet presAssocID="{9582269A-5383-4875-B584-D1FCA7B3A081}" presName="compNode" presStyleCnt="0"/>
@@ -9523,6 +9762,13 @@
     <dgm:pt modelId="{259A8A00-97D5-4FB9-A1AF-C361C40F5EF9}" type="pres">
       <dgm:prSet presAssocID="{9582269A-5383-4875-B584-D1FCA7B3A081}" presName="bkgdShape" presStyleLbl="node1" presStyleIdx="4" presStyleCnt="5"/>
       <dgm:spPr/>
+      <dgm:t>
+        <a:bodyPr/>
+        <a:lstStyle/>
+        <a:p>
+          <a:endParaRPr lang="de-DE"/>
+        </a:p>
+      </dgm:t>
     </dgm:pt>
     <dgm:pt modelId="{EBADB602-D542-4ECC-AFA1-51F9C27D40A0}" type="pres">
       <dgm:prSet presAssocID="{9582269A-5383-4875-B584-D1FCA7B3A081}" presName="nodeTx" presStyleLbl="node1" presStyleIdx="4" presStyleCnt="5">
@@ -9531,6 +9777,13 @@
         </dgm:presLayoutVars>
       </dgm:prSet>
       <dgm:spPr/>
+      <dgm:t>
+        <a:bodyPr/>
+        <a:lstStyle/>
+        <a:p>
+          <a:endParaRPr lang="de-DE"/>
+        </a:p>
+      </dgm:t>
     </dgm:pt>
     <dgm:pt modelId="{2995DC13-CA99-4483-B607-980094DDFFF1}" type="pres">
       <dgm:prSet presAssocID="{9582269A-5383-4875-B584-D1FCA7B3A081}" presName="invisiNode" presStyleLbl="node1" presStyleIdx="4" presStyleCnt="5"/>
@@ -9676,7 +9929,7 @@
         </a:bodyPr>
         <a:lstStyle/>
         <a:p>
-          <a:pPr marL="0" lvl="0" indent="0" algn="ctr" defTabSz="1466850">
+          <a:pPr lvl="0" algn="ctr" defTabSz="1466850">
             <a:lnSpc>
               <a:spcPct val="90000"/>
             </a:lnSpc>
@@ -9686,7 +9939,6 @@
             <a:spcAft>
               <a:spcPct val="35000"/>
             </a:spcAft>
-            <a:buNone/>
           </a:pPr>
           <a:r>
             <a:rPr lang="de-DE" sz="3300" kern="1200" dirty="0"/>
@@ -9695,8 +9947,8 @@
         </a:p>
       </dsp:txBody>
       <dsp:txXfrm rot="10800000">
-        <a:off x="2034182" y="410"/>
-        <a:ext cx="5068749" cy="1345485"/>
+        <a:off x="2204189" y="0"/>
+        <a:ext cx="3706960" cy="898666"/>
       </dsp:txXfrm>
     </dsp:sp>
     <dsp:sp modelId="{B6D2BD4A-D59B-4853-8516-85AF3B582B05}">
@@ -9835,7 +10087,7 @@
         </a:bodyPr>
         <a:lstStyle/>
         <a:p>
-          <a:pPr marL="0" lvl="0" indent="0" algn="l" defTabSz="1155700">
+          <a:pPr lvl="0" algn="l" defTabSz="1155700">
             <a:lnSpc>
               <a:spcPct val="90000"/>
             </a:lnSpc>
@@ -9845,7 +10097,6 @@
             <a:spcAft>
               <a:spcPct val="35000"/>
             </a:spcAft>
-            <a:buNone/>
           </a:pPr>
           <a:r>
             <a:rPr lang="de-DE" sz="2600" kern="1200" dirty="0"/>
@@ -9863,7 +10114,7 @@
             <a:spcAft>
               <a:spcPct val="15000"/>
             </a:spcAft>
-            <a:buChar char="•"/>
+            <a:buChar char="••"/>
           </a:pPr>
           <a:r>
             <a:rPr lang="de-DE" sz="2000" kern="1200" dirty="0"/>
@@ -9963,7 +10214,7 @@
         </a:bodyPr>
         <a:lstStyle/>
         <a:p>
-          <a:pPr marL="0" lvl="0" indent="0" algn="l" defTabSz="1155700">
+          <a:pPr lvl="0" algn="l" defTabSz="1155700">
             <a:lnSpc>
               <a:spcPct val="90000"/>
             </a:lnSpc>
@@ -9973,7 +10224,6 @@
             <a:spcAft>
               <a:spcPct val="35000"/>
             </a:spcAft>
-            <a:buNone/>
           </a:pPr>
           <a:r>
             <a:rPr lang="de-DE" sz="2600" kern="1200" dirty="0"/>
@@ -9991,7 +10241,7 @@
             <a:spcAft>
               <a:spcPct val="15000"/>
             </a:spcAft>
-            <a:buChar char="•"/>
+            <a:buChar char="••"/>
           </a:pPr>
           <a:r>
             <a:rPr lang="de-DE" sz="2000" kern="1200" dirty="0"/>
@@ -10091,7 +10341,7 @@
         </a:bodyPr>
         <a:lstStyle/>
         <a:p>
-          <a:pPr marL="0" lvl="0" indent="0" algn="l" defTabSz="1155700">
+          <a:pPr lvl="0" algn="l" defTabSz="1155700">
             <a:lnSpc>
               <a:spcPct val="90000"/>
             </a:lnSpc>
@@ -10101,7 +10351,6 @@
             <a:spcAft>
               <a:spcPct val="35000"/>
             </a:spcAft>
-            <a:buNone/>
           </a:pPr>
           <a:r>
             <a:rPr lang="de-DE" sz="2600" kern="1200" dirty="0"/>
@@ -10119,7 +10368,7 @@
             <a:spcAft>
               <a:spcPct val="15000"/>
             </a:spcAft>
-            <a:buChar char="•"/>
+            <a:buChar char="••"/>
           </a:pPr>
           <a:endParaRPr lang="de-DE" sz="2000" kern="1200" dirty="0"/>
         </a:p>
@@ -10241,7 +10490,7 @@
         </a:bodyPr>
         <a:lstStyle/>
         <a:p>
-          <a:pPr marL="0" lvl="0" indent="0" algn="ctr" defTabSz="1466850">
+          <a:pPr lvl="0" algn="ctr" defTabSz="1466850">
             <a:lnSpc>
               <a:spcPct val="90000"/>
             </a:lnSpc>
@@ -10251,7 +10500,6 @@
             <a:spcAft>
               <a:spcPct val="35000"/>
             </a:spcAft>
-            <a:buNone/>
           </a:pPr>
           <a:r>
             <a:rPr lang="de-DE" sz="3300" kern="1200" dirty="0"/>
@@ -10260,8 +10508,8 @@
         </a:p>
       </dsp:txBody>
       <dsp:txXfrm rot="10800000">
-        <a:off x="2034182" y="410"/>
-        <a:ext cx="5068749" cy="1345485"/>
+        <a:off x="2204189" y="0"/>
+        <a:ext cx="3706960" cy="898666"/>
       </dsp:txXfrm>
     </dsp:sp>
     <dsp:sp modelId="{B6D2BD4A-D59B-4853-8516-85AF3B582B05}">
@@ -10379,7 +10627,7 @@
         </a:bodyPr>
         <a:lstStyle/>
         <a:p>
-          <a:pPr marL="0" lvl="0" indent="0" algn="ctr" defTabSz="1466850">
+          <a:pPr lvl="0" algn="ctr" defTabSz="1466850">
             <a:lnSpc>
               <a:spcPct val="90000"/>
             </a:lnSpc>
@@ -10389,7 +10637,6 @@
             <a:spcAft>
               <a:spcPct val="35000"/>
             </a:spcAft>
-            <a:buNone/>
           </a:pPr>
           <a:r>
             <a:rPr lang="de-DE" sz="3300" kern="1200" dirty="0"/>
@@ -10398,8 +10645,8 @@
         </a:p>
       </dsp:txBody>
       <dsp:txXfrm rot="10800000">
-        <a:off x="2034182" y="410"/>
-        <a:ext cx="5068749" cy="1345485"/>
+        <a:off x="2204189" y="0"/>
+        <a:ext cx="3706960" cy="898666"/>
       </dsp:txXfrm>
     </dsp:sp>
     <dsp:sp modelId="{B6D2BD4A-D59B-4853-8516-85AF3B582B05}">
@@ -10517,7 +10764,7 @@
         </a:bodyPr>
         <a:lstStyle/>
         <a:p>
-          <a:pPr marL="0" lvl="0" indent="0" algn="ctr" defTabSz="1466850">
+          <a:pPr lvl="0" algn="ctr" defTabSz="1466850">
             <a:lnSpc>
               <a:spcPct val="90000"/>
             </a:lnSpc>
@@ -10527,7 +10774,6 @@
             <a:spcAft>
               <a:spcPct val="35000"/>
             </a:spcAft>
-            <a:buNone/>
           </a:pPr>
           <a:r>
             <a:rPr lang="de-DE" sz="3300" kern="1200" dirty="0"/>
@@ -10536,8 +10782,8 @@
         </a:p>
       </dsp:txBody>
       <dsp:txXfrm rot="10800000">
-        <a:off x="2034182" y="410"/>
-        <a:ext cx="5068749" cy="1345485"/>
+        <a:off x="2204189" y="0"/>
+        <a:ext cx="3706960" cy="898666"/>
       </dsp:txXfrm>
     </dsp:sp>
     <dsp:sp modelId="{B6D2BD4A-D59B-4853-8516-85AF3B582B05}">
@@ -10655,7 +10901,7 @@
         </a:bodyPr>
         <a:lstStyle/>
         <a:p>
-          <a:pPr marL="0" lvl="0" indent="0" algn="ctr" defTabSz="1466850">
+          <a:pPr lvl="0" algn="ctr" defTabSz="1466850">
             <a:lnSpc>
               <a:spcPct val="90000"/>
             </a:lnSpc>
@@ -10665,7 +10911,6 @@
             <a:spcAft>
               <a:spcPct val="35000"/>
             </a:spcAft>
-            <a:buNone/>
           </a:pPr>
           <a:r>
             <a:rPr lang="de-DE" sz="3300" kern="1200" dirty="0"/>
@@ -10674,8 +10919,8 @@
         </a:p>
       </dsp:txBody>
       <dsp:txXfrm rot="10800000">
-        <a:off x="2034182" y="410"/>
-        <a:ext cx="5068749" cy="1345485"/>
+        <a:off x="2204189" y="0"/>
+        <a:ext cx="3706960" cy="898666"/>
       </dsp:txXfrm>
     </dsp:sp>
     <dsp:sp modelId="{B6D2BD4A-D59B-4853-8516-85AF3B582B05}">
@@ -10793,7 +11038,7 @@
         </a:bodyPr>
         <a:lstStyle/>
         <a:p>
-          <a:pPr marL="0" lvl="0" indent="0" algn="ctr" defTabSz="1466850">
+          <a:pPr lvl="0" algn="ctr" defTabSz="1466850">
             <a:lnSpc>
               <a:spcPct val="90000"/>
             </a:lnSpc>
@@ -10803,17 +11048,17 @@
             <a:spcAft>
               <a:spcPct val="35000"/>
             </a:spcAft>
-            <a:buNone/>
           </a:pPr>
           <a:r>
-            <a:rPr lang="de-DE" sz="3300" kern="1200" dirty="0"/>
-            <a:t>Kennzahlen</a:t>
+            <a:rPr lang="de-DE" sz="3300" kern="1200" dirty="0" smtClean="0"/>
+            <a:t>Angepasst</a:t>
           </a:r>
+          <a:endParaRPr lang="de-DE" sz="3300" kern="1200" dirty="0"/>
         </a:p>
       </dsp:txBody>
       <dsp:txXfrm rot="10800000">
-        <a:off x="2034182" y="410"/>
-        <a:ext cx="5068749" cy="1345485"/>
+        <a:off x="2204189" y="0"/>
+        <a:ext cx="3706960" cy="898666"/>
       </dsp:txXfrm>
     </dsp:sp>
     <dsp:sp modelId="{B6D2BD4A-D59B-4853-8516-85AF3B582B05}">
@@ -10931,7 +11176,7 @@
         </a:bodyPr>
         <a:lstStyle/>
         <a:p>
-          <a:pPr marL="0" lvl="0" indent="0" algn="ctr" defTabSz="1466850">
+          <a:pPr lvl="0" algn="ctr" defTabSz="1466850">
             <a:lnSpc>
               <a:spcPct val="90000"/>
             </a:lnSpc>
@@ -10941,7 +11186,6 @@
             <a:spcAft>
               <a:spcPct val="35000"/>
             </a:spcAft>
-            <a:buNone/>
           </a:pPr>
           <a:r>
             <a:rPr lang="de-DE" sz="3300" kern="1200" dirty="0"/>
@@ -11057,7 +11301,7 @@
         </a:bodyPr>
         <a:lstStyle/>
         <a:p>
-          <a:pPr marL="0" lvl="0" indent="0" algn="ctr" defTabSz="1466850">
+          <a:pPr lvl="0" algn="ctr" defTabSz="1466850">
             <a:lnSpc>
               <a:spcPct val="90000"/>
             </a:lnSpc>
@@ -11067,7 +11311,6 @@
             <a:spcAft>
               <a:spcPct val="35000"/>
             </a:spcAft>
-            <a:buNone/>
           </a:pPr>
           <a:r>
             <a:rPr lang="de-DE" sz="3300" kern="1200" dirty="0"/>
@@ -11183,7 +11426,7 @@
         </a:bodyPr>
         <a:lstStyle/>
         <a:p>
-          <a:pPr marL="0" lvl="0" indent="0" algn="ctr" defTabSz="1466850">
+          <a:pPr lvl="0" algn="ctr" defTabSz="1466850">
             <a:lnSpc>
               <a:spcPct val="90000"/>
             </a:lnSpc>
@@ -11193,7 +11436,6 @@
             <a:spcAft>
               <a:spcPct val="35000"/>
             </a:spcAft>
-            <a:buNone/>
           </a:pPr>
           <a:r>
             <a:rPr lang="de-DE" sz="3300" kern="1200" dirty="0" err="1"/>
@@ -11325,7 +11567,7 @@
         </a:bodyPr>
         <a:lstStyle/>
         <a:p>
-          <a:pPr marL="0" lvl="0" indent="0" algn="ctr" defTabSz="1466850">
+          <a:pPr lvl="0" algn="ctr" defTabSz="1466850">
             <a:lnSpc>
               <a:spcPct val="90000"/>
             </a:lnSpc>
@@ -11335,7 +11577,6 @@
             <a:spcAft>
               <a:spcPct val="35000"/>
             </a:spcAft>
-            <a:buNone/>
           </a:pPr>
           <a:r>
             <a:rPr lang="de-DE" sz="3300" kern="1200" dirty="0"/>
@@ -11451,7 +11692,7 @@
         </a:bodyPr>
         <a:lstStyle/>
         <a:p>
-          <a:pPr marL="0" lvl="0" indent="0" algn="ctr" defTabSz="1466850">
+          <a:pPr lvl="0" algn="ctr" defTabSz="1466850">
             <a:lnSpc>
               <a:spcPct val="90000"/>
             </a:lnSpc>
@@ -11461,7 +11702,6 @@
             <a:spcAft>
               <a:spcPct val="35000"/>
             </a:spcAft>
-            <a:buNone/>
           </a:pPr>
           <a:r>
             <a:rPr lang="de-DE" sz="3300" kern="1200" dirty="0"/>
@@ -11591,7 +11831,7 @@
         </a:bodyPr>
         <a:lstStyle/>
         <a:p>
-          <a:pPr marL="0" lvl="0" indent="0" algn="ctr" defTabSz="800100">
+          <a:pPr lvl="0" algn="ctr" defTabSz="800100">
             <a:lnSpc>
               <a:spcPct val="90000"/>
             </a:lnSpc>
@@ -11601,7 +11841,6 @@
             <a:spcAft>
               <a:spcPct val="35000"/>
             </a:spcAft>
-            <a:buNone/>
           </a:pPr>
           <a:r>
             <a:rPr lang="de-DE" sz="1800" kern="1200" dirty="0"/>
@@ -11719,7 +11958,7 @@
         </a:bodyPr>
         <a:lstStyle/>
         <a:p>
-          <a:pPr marL="0" lvl="0" indent="0" algn="ctr" defTabSz="800100">
+          <a:pPr lvl="0" algn="ctr" defTabSz="800100">
             <a:lnSpc>
               <a:spcPct val="90000"/>
             </a:lnSpc>
@@ -11729,7 +11968,6 @@
             <a:spcAft>
               <a:spcPct val="35000"/>
             </a:spcAft>
-            <a:buNone/>
           </a:pPr>
           <a:r>
             <a:rPr lang="de-DE" sz="1800" kern="1200" dirty="0"/>
@@ -11847,7 +12085,7 @@
         </a:bodyPr>
         <a:lstStyle/>
         <a:p>
-          <a:pPr marL="0" lvl="0" indent="0" algn="ctr" defTabSz="800100">
+          <a:pPr lvl="0" algn="ctr" defTabSz="800100">
             <a:lnSpc>
               <a:spcPct val="90000"/>
             </a:lnSpc>
@@ -11857,7 +12095,6 @@
             <a:spcAft>
               <a:spcPct val="35000"/>
             </a:spcAft>
-            <a:buNone/>
           </a:pPr>
           <a:r>
             <a:rPr lang="de-DE" sz="1800" kern="1200" dirty="0"/>
@@ -11975,7 +12212,7 @@
         </a:bodyPr>
         <a:lstStyle/>
         <a:p>
-          <a:pPr marL="0" lvl="0" indent="0" algn="ctr" defTabSz="800100">
+          <a:pPr lvl="0" algn="ctr" defTabSz="800100">
             <a:lnSpc>
               <a:spcPct val="90000"/>
             </a:lnSpc>
@@ -11985,7 +12222,6 @@
             <a:spcAft>
               <a:spcPct val="35000"/>
             </a:spcAft>
-            <a:buNone/>
           </a:pPr>
           <a:r>
             <a:rPr lang="de-DE" sz="1800" kern="1200" dirty="0"/>
@@ -12103,7 +12339,7 @@
         </a:bodyPr>
         <a:lstStyle/>
         <a:p>
-          <a:pPr marL="0" lvl="0" indent="0" algn="ctr" defTabSz="800100">
+          <a:pPr lvl="0" algn="ctr" defTabSz="800100">
             <a:lnSpc>
               <a:spcPct val="90000"/>
             </a:lnSpc>
@@ -12113,7 +12349,6 @@
             <a:spcAft>
               <a:spcPct val="35000"/>
             </a:spcAft>
-            <a:buNone/>
           </a:pPr>
           <a:r>
             <a:rPr lang="de-DE" sz="1800" kern="1200" dirty="0"/>
@@ -24414,7 +24649,7 @@
           <a:p>
             <a:fld id="{BC5D3495-D642-4B9C-A4D9-ABBA71EA56ED}" type="datetimeFigureOut">
               <a:rPr lang="de-DE" smtClean="0"/>
-              <a:t>06.09.2016</a:t>
+              <a:t>07.09.2016</a:t>
             </a:fld>
             <a:endParaRPr lang="de-DE"/>
           </a:p>
@@ -24810,7 +25045,7 @@
           <a:p>
             <a:fld id="{939A55D9-6AB2-4364-AE5A-4B2CFFB043C1}" type="datetimeFigureOut">
               <a:rPr lang="de-DE" smtClean="0"/>
-              <a:t>06.09.2016</a:t>
+              <a:t>07.09.2016</a:t>
             </a:fld>
             <a:endParaRPr lang="de-DE"/>
           </a:p>
@@ -24978,7 +25213,7 @@
           <a:p>
             <a:fld id="{939A55D9-6AB2-4364-AE5A-4B2CFFB043C1}" type="datetimeFigureOut">
               <a:rPr lang="de-DE" smtClean="0"/>
-              <a:t>06.09.2016</a:t>
+              <a:t>07.09.2016</a:t>
             </a:fld>
             <a:endParaRPr lang="de-DE"/>
           </a:p>
@@ -25156,7 +25391,7 @@
           <a:p>
             <a:fld id="{939A55D9-6AB2-4364-AE5A-4B2CFFB043C1}" type="datetimeFigureOut">
               <a:rPr lang="de-DE" smtClean="0"/>
-              <a:t>06.09.2016</a:t>
+              <a:t>07.09.2016</a:t>
             </a:fld>
             <a:endParaRPr lang="de-DE"/>
           </a:p>
@@ -25324,7 +25559,7 @@
           <a:p>
             <a:fld id="{939A55D9-6AB2-4364-AE5A-4B2CFFB043C1}" type="datetimeFigureOut">
               <a:rPr lang="de-DE" smtClean="0"/>
-              <a:t>06.09.2016</a:t>
+              <a:t>07.09.2016</a:t>
             </a:fld>
             <a:endParaRPr lang="de-DE"/>
           </a:p>
@@ -25569,7 +25804,7 @@
           <a:p>
             <a:fld id="{939A55D9-6AB2-4364-AE5A-4B2CFFB043C1}" type="datetimeFigureOut">
               <a:rPr lang="de-DE" smtClean="0"/>
-              <a:t>06.09.2016</a:t>
+              <a:t>07.09.2016</a:t>
             </a:fld>
             <a:endParaRPr lang="de-DE"/>
           </a:p>
@@ -25798,7 +26033,7 @@
           <a:p>
             <a:fld id="{939A55D9-6AB2-4364-AE5A-4B2CFFB043C1}" type="datetimeFigureOut">
               <a:rPr lang="de-DE" smtClean="0"/>
-              <a:t>06.09.2016</a:t>
+              <a:t>07.09.2016</a:t>
             </a:fld>
             <a:endParaRPr lang="de-DE"/>
           </a:p>
@@ -26162,7 +26397,7 @@
           <a:p>
             <a:fld id="{939A55D9-6AB2-4364-AE5A-4B2CFFB043C1}" type="datetimeFigureOut">
               <a:rPr lang="de-DE" smtClean="0"/>
-              <a:t>06.09.2016</a:t>
+              <a:t>07.09.2016</a:t>
             </a:fld>
             <a:endParaRPr lang="de-DE"/>
           </a:p>
@@ -26279,7 +26514,7 @@
           <a:p>
             <a:fld id="{939A55D9-6AB2-4364-AE5A-4B2CFFB043C1}" type="datetimeFigureOut">
               <a:rPr lang="de-DE" smtClean="0"/>
-              <a:t>06.09.2016</a:t>
+              <a:t>07.09.2016</a:t>
             </a:fld>
             <a:endParaRPr lang="de-DE"/>
           </a:p>
@@ -26374,7 +26609,7 @@
           <a:p>
             <a:fld id="{939A55D9-6AB2-4364-AE5A-4B2CFFB043C1}" type="datetimeFigureOut">
               <a:rPr lang="de-DE" smtClean="0"/>
-              <a:t>06.09.2016</a:t>
+              <a:t>07.09.2016</a:t>
             </a:fld>
             <a:endParaRPr lang="de-DE"/>
           </a:p>
@@ -26649,7 +26884,7 @@
           <a:p>
             <a:fld id="{939A55D9-6AB2-4364-AE5A-4B2CFFB043C1}" type="datetimeFigureOut">
               <a:rPr lang="de-DE" smtClean="0"/>
-              <a:t>06.09.2016</a:t>
+              <a:t>07.09.2016</a:t>
             </a:fld>
             <a:endParaRPr lang="de-DE"/>
           </a:p>
@@ -26901,7 +27136,7 @@
           <a:p>
             <a:fld id="{939A55D9-6AB2-4364-AE5A-4B2CFFB043C1}" type="datetimeFigureOut">
               <a:rPr lang="de-DE" smtClean="0"/>
-              <a:t>06.09.2016</a:t>
+              <a:t>07.09.2016</a:t>
             </a:fld>
             <a:endParaRPr lang="de-DE"/>
           </a:p>
@@ -27112,7 +27347,7 @@
           <a:p>
             <a:fld id="{939A55D9-6AB2-4364-AE5A-4B2CFFB043C1}" type="datetimeFigureOut">
               <a:rPr lang="de-DE" smtClean="0"/>
-              <a:t>06.09.2016</a:t>
+              <a:t>07.09.2016</a:t>
             </a:fld>
             <a:endParaRPr lang="de-DE"/>
           </a:p>
@@ -27565,7 +27800,7 @@
           <p:nvPr>
             <p:extLst>
               <p:ext uri="{386F3935-93C4-4BCD-93E2-E3B085C9AB24}">
-                <p16:designElem xmlns:p16="http://schemas.microsoft.com/office/powerpoint/2015/main" val="1"/>
+                <p16:designElem xmlns:p16="http://schemas.microsoft.com/office/powerpoint/2015/main" xmlns="" val="1"/>
               </p:ext>
             </p:extLst>
           </p:nvPr>
@@ -27698,7 +27933,7 @@
           <p:nvPr>
             <p:extLst>
               <p:ext uri="{386F3935-93C4-4BCD-93E2-E3B085C9AB24}">
-                <p16:designElem xmlns:p16="http://schemas.microsoft.com/office/powerpoint/2015/main" val="1"/>
+                <p16:designElem xmlns:p16="http://schemas.microsoft.com/office/powerpoint/2015/main" xmlns="" val="1"/>
               </p:ext>
             </p:extLst>
           </p:nvPr>
@@ -28320,7 +28555,11 @@
           <a:lstStyle/>
           <a:p>
             <a:r>
-              <a:rPr lang="de-DE" dirty="0"/>
+              <a:rPr lang="de-DE" dirty="0">
+                <a:solidFill>
+                  <a:srgbClr val="009CA2"/>
+                </a:solidFill>
+              </a:rPr>
               <a:t>Exemplarisches Vorgehen</a:t>
             </a:r>
           </a:p>
@@ -29372,7 +29611,7 @@
           <p:nvPr>
             <p:extLst>
               <p:ext uri="{D42A27DB-BD31-4B8C-83A1-F6EECF244321}">
-                <p14:modId xmlns:p14="http://schemas.microsoft.com/office/powerpoint/2010/main" val="1337499422"/>
+                <p14:modId xmlns:p14="http://schemas.microsoft.com/office/powerpoint/2010/main" val="3257377066"/>
               </p:ext>
             </p:extLst>
           </p:nvPr>
@@ -29493,6 +29732,14 @@
   <p:clrMapOvr>
     <a:masterClrMapping/>
   </p:clrMapOvr>
+  <mc:AlternateContent xmlns:mc="http://schemas.openxmlformats.org/markup-compatibility/2006">
+    <mc:Choice xmlns:p14="http://schemas.microsoft.com/office/powerpoint/2010/main" Requires="p14">
+      <p:transition spd="slow" p14:dur="2000"/>
+    </mc:Choice>
+    <mc:Fallback>
+      <p:transition spd="slow"/>
+    </mc:Fallback>
+  </mc:AlternateContent>
 </p:sld>
 </file>
 
@@ -29649,7 +29896,11 @@
           <a:lstStyle/>
           <a:p>
             <a:r>
-              <a:rPr lang="de-DE" dirty="0"/>
+              <a:rPr lang="de-DE" dirty="0">
+                <a:solidFill>
+                  <a:srgbClr val="009CA2"/>
+                </a:solidFill>
+              </a:rPr>
               <a:t>Was werden wir Ihnen zeigen?</a:t>
             </a:r>
           </a:p>
@@ -30014,7 +30265,7 @@
   <a:extraClrSchemeLst/>
   <a:extLst>
     <a:ext uri="{05A4C25C-085E-4340-85A3-A5531E510DB2}">
-      <thm15:themeFamily xmlns:thm15="http://schemas.microsoft.com/office/thememl/2012/main" name="Office Theme" id="{62F939B6-93AF-4DB8-9C6B-D6C7DFDC589F}" vid="{4A3C46E8-61CC-4603-A589-7422A47A8E4A}"/>
+      <thm15:themeFamily xmlns:thm15="http://schemas.microsoft.com/office/thememl/2012/main" xmlns="" name="Office Theme" id="{62F939B6-93AF-4DB8-9C6B-D6C7DFDC589F}" vid="{4A3C46E8-61CC-4603-A589-7422A47A8E4A}"/>
     </a:ext>
   </a:extLst>
 </a:theme>
@@ -30309,7 +30560,7 @@
   <a:extraClrSchemeLst/>
   <a:extLst>
     <a:ext uri="{05A4C25C-085E-4340-85A3-A5531E510DB2}">
-      <thm15:themeFamily xmlns:thm15="http://schemas.microsoft.com/office/thememl/2012/main" name="Office Theme" id="{62F939B6-93AF-4DB8-9C6B-D6C7DFDC589F}" vid="{4A3C46E8-61CC-4603-A589-7422A47A8E4A}"/>
+      <thm15:themeFamily xmlns:thm15="http://schemas.microsoft.com/office/thememl/2012/main" xmlns="" name="Office Theme" id="{62F939B6-93AF-4DB8-9C6B-D6C7DFDC589F}" vid="{4A3C46E8-61CC-4603-A589-7422A47A8E4A}"/>
     </a:ext>
   </a:extLst>
 </a:theme>
